--- a/Images/Figures_PPT/SARNoRaptor.pptx
+++ b/Images/Figures_PPT/SARNoRaptor.pptx
@@ -3703,18 +3703,18 @@
           </p:nvSpPr>
           <p:spPr>
             <a:xfrm>
-              <a:off x="5225796" y="2766528"/>
-              <a:ext cx="174499" cy="238090"/>
+              <a:off x="5225793" y="2766222"/>
+              <a:ext cx="174618" cy="238393"/>
             </a:xfrm>
             <a:custGeom>
               <a:avLst/>
               <a:pathLst>
-                <a:path w="174499" h="238090">
+                <a:path w="174618" h="238393">
                   <a:moveTo>
-                    <a:pt x="174499" y="0"/>
+                    <a:pt x="174618" y="0"/>
                   </a:moveTo>
                   <a:lnTo>
-                    <a:pt x="0" y="238090"/>
+                    <a:pt x="0" y="238393"/>
                   </a:lnTo>
                 </a:path>
               </a:pathLst>
@@ -3743,7 +3743,7 @@
           </p:nvSpPr>
           <p:spPr>
             <a:xfrm>
-              <a:off x="5015535" y="5358371"/>
+              <a:off x="5601272" y="4772837"/>
               <a:ext cx="1566579" cy="157737"/>
             </a:xfrm>
             <a:prstGeom prst="rect">
@@ -3789,7 +3789,7 @@
           </p:nvSpPr>
           <p:spPr>
             <a:xfrm>
-              <a:off x="5310631" y="5664754"/>
+              <a:off x="5896369" y="5079221"/>
               <a:ext cx="976386" cy="163560"/>
             </a:xfrm>
             <a:prstGeom prst="rect">
@@ -3835,7 +3835,7 @@
           </p:nvSpPr>
           <p:spPr>
             <a:xfrm>
-              <a:off x="3134990" y="3610561"/>
+              <a:off x="3134989" y="3610492"/>
               <a:ext cx="2036510" cy="157737"/>
             </a:xfrm>
             <a:prstGeom prst="rect">
@@ -3881,7 +3881,7 @@
           </p:nvSpPr>
           <p:spPr>
             <a:xfrm>
-              <a:off x="3725342" y="3916945"/>
+              <a:off x="3725341" y="3916876"/>
               <a:ext cx="855806" cy="163560"/>
             </a:xfrm>
             <a:prstGeom prst="rect">
@@ -3927,7 +3927,7 @@
           </p:nvSpPr>
           <p:spPr>
             <a:xfrm>
-              <a:off x="4295428" y="2790831"/>
+              <a:off x="4295958" y="2790604"/>
               <a:ext cx="1205158" cy="198283"/>
             </a:xfrm>
             <a:prstGeom prst="rect">
@@ -3973,7 +3973,7 @@
           </p:nvSpPr>
           <p:spPr>
             <a:xfrm>
-              <a:off x="4470104" y="3137761"/>
+              <a:off x="4470634" y="3137534"/>
               <a:ext cx="855806" cy="163560"/>
             </a:xfrm>
             <a:prstGeom prst="rect">
@@ -4019,7 +4019,7 @@
           </p:nvSpPr>
           <p:spPr>
             <a:xfrm>
-              <a:off x="4751133" y="2230637"/>
+              <a:off x="4751116" y="2230331"/>
               <a:ext cx="1470136" cy="200824"/>
             </a:xfrm>
             <a:prstGeom prst="rect">
@@ -4065,7 +4065,7 @@
           </p:nvSpPr>
           <p:spPr>
             <a:xfrm>
-              <a:off x="5058298" y="2580108"/>
+              <a:off x="5058281" y="2579802"/>
               <a:ext cx="855806" cy="163560"/>
             </a:xfrm>
             <a:prstGeom prst="rect">

--- a/Images/Figures_PPT/SARNoRaptor.pptx
+++ b/Images/Figures_PPT/SARNoRaptor.pptx
@@ -3703,18 +3703,18 @@
           </p:nvSpPr>
           <p:spPr>
             <a:xfrm>
-              <a:off x="5225793" y="2766222"/>
-              <a:ext cx="174618" cy="238393"/>
+              <a:off x="5225795" y="2766596"/>
+              <a:ext cx="174394" cy="238020"/>
             </a:xfrm>
             <a:custGeom>
               <a:avLst/>
               <a:pathLst>
-                <a:path w="174618" h="238393">
+                <a:path w="174394" h="238020">
                   <a:moveTo>
-                    <a:pt x="174618" y="0"/>
+                    <a:pt x="174394" y="0"/>
                   </a:moveTo>
                   <a:lnTo>
-                    <a:pt x="0" y="238393"/>
+                    <a:pt x="0" y="238020"/>
                   </a:lnTo>
                 </a:path>
               </a:pathLst>
@@ -3743,7 +3743,7 @@
           </p:nvSpPr>
           <p:spPr>
             <a:xfrm>
-              <a:off x="5601272" y="4772837"/>
+              <a:off x="5015118" y="5358681"/>
               <a:ext cx="1566579" cy="157737"/>
             </a:xfrm>
             <a:prstGeom prst="rect">
@@ -3789,7 +3789,7 @@
           </p:nvSpPr>
           <p:spPr>
             <a:xfrm>
-              <a:off x="5896369" y="5079221"/>
+              <a:off x="5310214" y="5665065"/>
               <a:ext cx="976386" cy="163560"/>
             </a:xfrm>
             <a:prstGeom prst="rect">
@@ -3835,7 +3835,7 @@
           </p:nvSpPr>
           <p:spPr>
             <a:xfrm>
-              <a:off x="3134989" y="3610492"/>
+              <a:off x="3135094" y="3610567"/>
               <a:ext cx="2036510" cy="157737"/>
             </a:xfrm>
             <a:prstGeom prst="rect">
@@ -3881,7 +3881,7 @@
           </p:nvSpPr>
           <p:spPr>
             <a:xfrm>
-              <a:off x="3725341" y="3916876"/>
+              <a:off x="3725446" y="3916951"/>
               <a:ext cx="855806" cy="163560"/>
             </a:xfrm>
             <a:prstGeom prst="rect">
@@ -3927,7 +3927,7 @@
           </p:nvSpPr>
           <p:spPr>
             <a:xfrm>
-              <a:off x="4295958" y="2790604"/>
+              <a:off x="4294725" y="2791959"/>
               <a:ext cx="1205158" cy="198283"/>
             </a:xfrm>
             <a:prstGeom prst="rect">
@@ -3973,7 +3973,7 @@
           </p:nvSpPr>
           <p:spPr>
             <a:xfrm>
-              <a:off x="4470634" y="3137534"/>
+              <a:off x="4469401" y="3138888"/>
               <a:ext cx="855806" cy="163560"/>
             </a:xfrm>
             <a:prstGeom prst="rect">
@@ -4019,7 +4019,7 @@
           </p:nvSpPr>
           <p:spPr>
             <a:xfrm>
-              <a:off x="4751116" y="2230331"/>
+              <a:off x="4750877" y="2230705"/>
               <a:ext cx="1470136" cy="200824"/>
             </a:xfrm>
             <a:prstGeom prst="rect">
@@ -4065,7 +4065,7 @@
           </p:nvSpPr>
           <p:spPr>
             <a:xfrm>
-              <a:off x="5058281" y="2579802"/>
+              <a:off x="5058042" y="2580176"/>
               <a:ext cx="855806" cy="163560"/>
             </a:xfrm>
             <a:prstGeom prst="rect">

--- a/Images/Figures_PPT/SARNoRaptor.pptx
+++ b/Images/Figures_PPT/SARNoRaptor.pptx
@@ -3703,18 +3703,18 @@
           </p:nvSpPr>
           <p:spPr>
             <a:xfrm>
-              <a:off x="5225795" y="2766596"/>
-              <a:ext cx="174394" cy="238020"/>
+              <a:off x="5225794" y="2766289"/>
+              <a:ext cx="174598" cy="238327"/>
             </a:xfrm>
             <a:custGeom>
               <a:avLst/>
               <a:pathLst>
-                <a:path w="174394" h="238020">
+                <a:path w="174598" h="238327">
                   <a:moveTo>
-                    <a:pt x="174394" y="0"/>
+                    <a:pt x="174598" y="0"/>
                   </a:moveTo>
                   <a:lnTo>
-                    <a:pt x="0" y="238020"/>
+                    <a:pt x="0" y="238327"/>
                   </a:lnTo>
                 </a:path>
               </a:pathLst>
@@ -3743,7 +3743,7 @@
           </p:nvSpPr>
           <p:spPr>
             <a:xfrm>
-              <a:off x="5015118" y="5358681"/>
+              <a:off x="5601931" y="4771794"/>
               <a:ext cx="1566579" cy="157737"/>
             </a:xfrm>
             <a:prstGeom prst="rect">
@@ -3789,7 +3789,7 @@
           </p:nvSpPr>
           <p:spPr>
             <a:xfrm>
-              <a:off x="5310214" y="5665065"/>
+              <a:off x="5897028" y="5078178"/>
               <a:ext cx="976386" cy="163560"/>
             </a:xfrm>
             <a:prstGeom prst="rect">
@@ -3835,7 +3835,7 @@
           </p:nvSpPr>
           <p:spPr>
             <a:xfrm>
-              <a:off x="3135094" y="3610567"/>
+              <a:off x="3135172" y="3610536"/>
               <a:ext cx="2036510" cy="157737"/>
             </a:xfrm>
             <a:prstGeom prst="rect">
@@ -3881,7 +3881,7 @@
           </p:nvSpPr>
           <p:spPr>
             <a:xfrm>
-              <a:off x="3725446" y="3916951"/>
+              <a:off x="3725524" y="3916920"/>
               <a:ext cx="855806" cy="163560"/>
             </a:xfrm>
             <a:prstGeom prst="rect">
@@ -3927,7 +3927,7 @@
           </p:nvSpPr>
           <p:spPr>
             <a:xfrm>
-              <a:off x="4294725" y="2791959"/>
+              <a:off x="4294737" y="2791736"/>
               <a:ext cx="1205158" cy="198283"/>
             </a:xfrm>
             <a:prstGeom prst="rect">
@@ -3973,7 +3973,7 @@
           </p:nvSpPr>
           <p:spPr>
             <a:xfrm>
-              <a:off x="4469401" y="3138888"/>
+              <a:off x="4469413" y="3138666"/>
               <a:ext cx="855806" cy="163560"/>
             </a:xfrm>
             <a:prstGeom prst="rect">
@@ -4019,7 +4019,7 @@
           </p:nvSpPr>
           <p:spPr>
             <a:xfrm>
-              <a:off x="4750877" y="2230705"/>
+              <a:off x="4751141" y="2230398"/>
               <a:ext cx="1470136" cy="200824"/>
             </a:xfrm>
             <a:prstGeom prst="rect">
@@ -4065,7 +4065,7 @@
           </p:nvSpPr>
           <p:spPr>
             <a:xfrm>
-              <a:off x="5058042" y="2580176"/>
+              <a:off x="5058306" y="2579869"/>
               <a:ext cx="855806" cy="163560"/>
             </a:xfrm>
             <a:prstGeom prst="rect">

--- a/Images/Figures_PPT/SARNoRaptor.pptx
+++ b/Images/Figures_PPT/SARNoRaptor.pptx
@@ -3703,18 +3703,18 @@
           </p:nvSpPr>
           <p:spPr>
             <a:xfrm>
-              <a:off x="5225794" y="2766289"/>
-              <a:ext cx="174598" cy="238327"/>
+              <a:off x="5225794" y="2766416"/>
+              <a:ext cx="174514" cy="238200"/>
             </a:xfrm>
             <a:custGeom>
               <a:avLst/>
               <a:pathLst>
-                <a:path w="174598" h="238327">
+                <a:path w="174514" h="238200">
                   <a:moveTo>
-                    <a:pt x="174598" y="0"/>
+                    <a:pt x="174514" y="0"/>
                   </a:moveTo>
                   <a:lnTo>
-                    <a:pt x="0" y="238327"/>
+                    <a:pt x="0" y="238200"/>
                   </a:lnTo>
                 </a:path>
               </a:pathLst>
@@ -3743,7 +3743,7 @@
           </p:nvSpPr>
           <p:spPr>
             <a:xfrm>
-              <a:off x="5601931" y="4771794"/>
+              <a:off x="5014704" y="5359232"/>
               <a:ext cx="1566579" cy="157737"/>
             </a:xfrm>
             <a:prstGeom prst="rect">
@@ -3789,7 +3789,7 @@
           </p:nvSpPr>
           <p:spPr>
             <a:xfrm>
-              <a:off x="5897028" y="5078178"/>
+              <a:off x="5309801" y="5665616"/>
               <a:ext cx="976386" cy="163560"/>
             </a:xfrm>
             <a:prstGeom prst="rect">
@@ -3835,7 +3835,7 @@
           </p:nvSpPr>
           <p:spPr>
             <a:xfrm>
-              <a:off x="3135172" y="3610536"/>
+              <a:off x="3135160" y="3610502"/>
               <a:ext cx="2036510" cy="157737"/>
             </a:xfrm>
             <a:prstGeom prst="rect">
@@ -3881,7 +3881,7 @@
           </p:nvSpPr>
           <p:spPr>
             <a:xfrm>
-              <a:off x="3725524" y="3916920"/>
+              <a:off x="3725512" y="3916886"/>
               <a:ext cx="855806" cy="163560"/>
             </a:xfrm>
             <a:prstGeom prst="rect">
@@ -3927,7 +3927,7 @@
           </p:nvSpPr>
           <p:spPr>
             <a:xfrm>
-              <a:off x="4294737" y="2791736"/>
+              <a:off x="4294554" y="2791736"/>
               <a:ext cx="1205158" cy="198283"/>
             </a:xfrm>
             <a:prstGeom prst="rect">
@@ -3973,7 +3973,7 @@
           </p:nvSpPr>
           <p:spPr>
             <a:xfrm>
-              <a:off x="4469413" y="3138666"/>
+              <a:off x="4469230" y="3138666"/>
               <a:ext cx="855806" cy="163560"/>
             </a:xfrm>
             <a:prstGeom prst="rect">
@@ -4019,7 +4019,7 @@
           </p:nvSpPr>
           <p:spPr>
             <a:xfrm>
-              <a:off x="4751141" y="2230398"/>
+              <a:off x="4751032" y="2230525"/>
               <a:ext cx="1470136" cy="200824"/>
             </a:xfrm>
             <a:prstGeom prst="rect">
@@ -4065,7 +4065,7 @@
           </p:nvSpPr>
           <p:spPr>
             <a:xfrm>
-              <a:off x="5058306" y="2579869"/>
+              <a:off x="5058197" y="2579996"/>
               <a:ext cx="855806" cy="163560"/>
             </a:xfrm>
             <a:prstGeom prst="rect">
